--- a/posters/robocafe.pptx
+++ b/posters/robocafe.pptx
@@ -2414,14 +2414,23 @@
             <p:ph type="title"/>
           </p:nvPr>
         </p:nvSpPr>
-        <p:spPr/>
+        <p:spPr>
+          <a:xfrm>
+            <a:off x="11506200" y="264160"/>
+            <a:ext cx="15687690" cy="2397761"/>
+          </a:xfrm>
+        </p:spPr>
         <p:txBody>
           <a:bodyPr/>
           <a:lstStyle/>
           <a:p>
             <a:r>
               <a:rPr lang="en-US" sz="11500" dirty="0" err="1" smtClean="0"/>
-              <a:t>RoboCafe</a:t>
+              <a:t>RoboCaf</a:t>
+            </a:r>
+            <a:r>
+              <a:rPr lang="en-US" sz="11500" dirty="0" err="1" smtClean="0"/>
+              <a:t>é</a:t>
             </a:r>
             <a:endParaRPr lang="en-US" sz="11500" dirty="0"/>
           </a:p>
@@ -2510,7 +2519,7 @@
         </p:nvSpPr>
         <p:spPr>
           <a:xfrm>
-            <a:off x="0" y="10439400"/>
+            <a:off x="0" y="4876800"/>
             <a:ext cx="27432000" cy="1323439"/>
           </a:xfrm>
           <a:prstGeom prst="rect">
@@ -2554,7 +2563,7 @@
         </p:nvSpPr>
         <p:spPr>
           <a:xfrm>
-            <a:off x="1424039" y="12353960"/>
+            <a:off x="1424039" y="6791360"/>
             <a:ext cx="10237688" cy="3785652"/>
           </a:xfrm>
           <a:prstGeom prst="rect">
@@ -2584,7 +2593,7 @@
         </p:nvSpPr>
         <p:spPr>
           <a:xfrm>
-            <a:off x="12801600" y="12344400"/>
+            <a:off x="12801600" y="6781800"/>
             <a:ext cx="13855517" cy="4031873"/>
           </a:xfrm>
           <a:prstGeom prst="rect">
@@ -2637,8 +2646,8 @@
         </p:nvSpPr>
         <p:spPr>
           <a:xfrm>
-            <a:off x="-27663" y="25679400"/>
-            <a:ext cx="12496800" cy="769441"/>
+            <a:off x="3581400" y="16840200"/>
+            <a:ext cx="3685263" cy="769441"/>
           </a:xfrm>
           <a:prstGeom prst="rect">
             <a:avLst/>
@@ -2654,12 +2663,18 @@
             <a:pPr algn="ctr"/>
             <a:r>
               <a:rPr lang="en-US" sz="4400" b="0" dirty="0" smtClean="0">
+                <a:solidFill>
+                  <a:srgbClr val="004080"/>
+                </a:solidFill>
                 <a:latin typeface="Arial Narrow"/>
                 <a:cs typeface="Arial Narrow"/>
               </a:rPr>
               <a:t>Smartphone App</a:t>
             </a:r>
             <a:endParaRPr lang="en-US" sz="4400" b="0" dirty="0">
+              <a:solidFill>
+                <a:srgbClr val="004080"/>
+              </a:solidFill>
               <a:latin typeface="Arial Narrow"/>
               <a:cs typeface="Arial Narrow"/>
             </a:endParaRPr>
@@ -2674,8 +2689,8 @@
         </p:nvSpPr>
         <p:spPr>
           <a:xfrm>
-            <a:off x="2286000" y="21336000"/>
-            <a:ext cx="12496800" cy="769441"/>
+            <a:off x="2590800" y="11582400"/>
+            <a:ext cx="4572000" cy="769441"/>
           </a:xfrm>
           <a:prstGeom prst="rect">
             <a:avLst/>
@@ -2691,12 +2706,18 @@
             <a:pPr algn="ctr"/>
             <a:r>
               <a:rPr lang="en-US" sz="4400" b="0" dirty="0" smtClean="0">
+                <a:solidFill>
+                  <a:srgbClr val="800080"/>
+                </a:solidFill>
                 <a:latin typeface="Arial Narrow"/>
                 <a:cs typeface="Arial Narrow"/>
               </a:rPr>
               <a:t>Localization</a:t>
             </a:r>
             <a:endParaRPr lang="en-US" sz="4400" b="0" dirty="0">
+              <a:solidFill>
+                <a:srgbClr val="800080"/>
+              </a:solidFill>
               <a:latin typeface="Arial Narrow"/>
               <a:cs typeface="Arial Narrow"/>
             </a:endParaRPr>
@@ -2711,8 +2732,8 @@
         </p:nvSpPr>
         <p:spPr>
           <a:xfrm>
-            <a:off x="8610600" y="24917401"/>
-            <a:ext cx="5791200" cy="762000"/>
+            <a:off x="9525000" y="18516600"/>
+            <a:ext cx="8686800" cy="762000"/>
           </a:xfrm>
           <a:prstGeom prst="rect">
             <a:avLst/>
@@ -2748,8 +2769,8 @@
         </p:nvSpPr>
         <p:spPr>
           <a:xfrm>
-            <a:off x="12039600" y="21183600"/>
-            <a:ext cx="12496800" cy="769441"/>
+            <a:off x="18973800" y="12336959"/>
+            <a:ext cx="4267200" cy="769441"/>
           </a:xfrm>
           <a:prstGeom prst="rect">
             <a:avLst/>
@@ -2765,12 +2786,18 @@
             <a:pPr algn="ctr"/>
             <a:r>
               <a:rPr lang="en-US" sz="4400" b="0" dirty="0" smtClean="0">
+                <a:solidFill>
+                  <a:srgbClr val="800040"/>
+                </a:solidFill>
                 <a:latin typeface="Arial Narrow"/>
                 <a:cs typeface="Arial Narrow"/>
               </a:rPr>
               <a:t>Scarab Robots</a:t>
             </a:r>
             <a:endParaRPr lang="en-US" sz="4400" b="0" dirty="0">
+              <a:solidFill>
+                <a:srgbClr val="800040"/>
+              </a:solidFill>
               <a:latin typeface="Arial Narrow"/>
               <a:cs typeface="Arial Narrow"/>
             </a:endParaRPr>
@@ -2785,8 +2812,8 @@
         </p:nvSpPr>
         <p:spPr>
           <a:xfrm>
-            <a:off x="16840200" y="25298400"/>
-            <a:ext cx="12496800" cy="769441"/>
+            <a:off x="21259800" y="18516600"/>
+            <a:ext cx="3962400" cy="769441"/>
           </a:xfrm>
           <a:prstGeom prst="rect">
             <a:avLst/>
@@ -2802,12 +2829,18 @@
             <a:pPr algn="ctr"/>
             <a:r>
               <a:rPr lang="en-US" sz="4400" b="0" dirty="0" smtClean="0">
+                <a:solidFill>
+                  <a:srgbClr val="804000"/>
+                </a:solidFill>
                 <a:latin typeface="Arial Narrow"/>
                 <a:cs typeface="Arial Narrow"/>
               </a:rPr>
               <a:t>Navigation</a:t>
             </a:r>
             <a:endParaRPr lang="en-US" sz="4400" b="0" dirty="0">
+              <a:solidFill>
+                <a:srgbClr val="804000"/>
+              </a:solidFill>
               <a:latin typeface="Arial Narrow"/>
               <a:cs typeface="Arial Narrow"/>
             </a:endParaRPr>
@@ -2822,8 +2855,55 @@
         </p:nvSpPr>
         <p:spPr>
           <a:xfrm>
-            <a:off x="0" y="28346400"/>
-            <a:ext cx="16230600" cy="923330"/>
+            <a:off x="-1143000" y="28671880"/>
+            <a:ext cx="17754600" cy="1107996"/>
+          </a:xfrm>
+          <a:prstGeom prst="rect">
+            <a:avLst/>
+          </a:prstGeom>
+          <a:noFill/>
+          <a:ln w="38100" cmpd="sng">
+            <a:solidFill>
+              <a:schemeClr val="bg1">
+                <a:lumMod val="65000"/>
+              </a:schemeClr>
+            </a:solidFill>
+          </a:ln>
+        </p:spPr>
+        <p:txBody>
+          <a:bodyPr wrap="square" tIns="137160" bIns="137160" rtlCol="0">
+            <a:spAutoFit/>
+          </a:bodyPr>
+          <a:lstStyle>
+            <a:defPPr>
+              <a:defRPr lang="en-US"/>
+            </a:defPPr>
+            <a:lvl1pPr algn="ctr">
+              <a:defRPr sz="5400" b="0">
+                <a:latin typeface="Arial Narrow"/>
+                <a:cs typeface="Arial Narrow"/>
+              </a:defRPr>
+            </a:lvl1pPr>
+          </a:lstStyle>
+          <a:p>
+            <a:r>
+              <a:rPr lang="en-US" dirty="0" err="1"/>
+              <a:t>Reconfigurability</a:t>
+            </a:r>
+            <a:endParaRPr lang="en-US" dirty="0"/>
+          </a:p>
+        </p:txBody>
+      </p:sp>
+      <p:sp>
+        <p:nvSpPr>
+          <p:cNvPr id="22" name="TextBox 21"/>
+          <p:cNvSpPr txBox="1"/>
+          <p:nvPr/>
+        </p:nvSpPr>
+        <p:spPr>
+          <a:xfrm>
+            <a:off x="2667000" y="30132360"/>
+            <a:ext cx="11430000" cy="3416320"/>
           </a:xfrm>
           <a:prstGeom prst="rect">
             <a:avLst/>
@@ -2836,13 +2916,1324 @@
           </a:bodyPr>
           <a:lstStyle/>
           <a:p>
+            <a:r>
+              <a:rPr lang="en-US" sz="3600" b="0" dirty="0" smtClean="0"/>
+              <a:t>Using </a:t>
+            </a:r>
+            <a:r>
+              <a:rPr lang="en-US" sz="3600" b="0" dirty="0" err="1" smtClean="0"/>
+              <a:t>Accessors</a:t>
+            </a:r>
+            <a:r>
+              <a:rPr lang="en-US" sz="3600" b="0" dirty="0" smtClean="0"/>
+              <a:t> and a </a:t>
+            </a:r>
+            <a:r>
+              <a:rPr lang="en-US" sz="3600" b="0" dirty="0" err="1" smtClean="0"/>
+              <a:t>Swarmlet</a:t>
+            </a:r>
+            <a:r>
+              <a:rPr lang="en-US" sz="3600" b="0" dirty="0" smtClean="0"/>
+              <a:t> provides a GUI based editor for easily reconfiguring how the application runs. Adding status indications or alternate localization services is simply a matter of dropping in new </a:t>
+            </a:r>
+            <a:r>
+              <a:rPr lang="en-US" sz="3600" b="0" dirty="0" err="1" smtClean="0"/>
+              <a:t>Accessors</a:t>
+            </a:r>
+            <a:r>
+              <a:rPr lang="en-US" sz="3600" b="0" dirty="0" smtClean="0"/>
+              <a:t>, connecting the ports, and re-running the </a:t>
+            </a:r>
+            <a:r>
+              <a:rPr lang="en-US" sz="3600" b="0" dirty="0" err="1" smtClean="0"/>
+              <a:t>Swarmlet</a:t>
+            </a:r>
+            <a:r>
+              <a:rPr lang="en-US" sz="3600" b="0" dirty="0" smtClean="0"/>
+              <a:t>.</a:t>
+            </a:r>
+            <a:endParaRPr lang="en-US" sz="3600" b="0" dirty="0"/>
+          </a:p>
+        </p:txBody>
+      </p:sp>
+      <p:pic>
+        <p:nvPicPr>
+          <p:cNvPr id="24" name="Picture 23"/>
+          <p:cNvPicPr>
+            <a:picLocks noChangeAspect="1"/>
+          </p:cNvPicPr>
+          <p:nvPr/>
+        </p:nvPicPr>
+        <p:blipFill rotWithShape="1">
+          <a:blip r:embed="rId2"/>
+          <a:srcRect l="24199" r="23879"/>
+          <a:stretch/>
+        </p:blipFill>
+        <p:spPr>
+          <a:xfrm>
+            <a:off x="4162866" y="14097000"/>
+            <a:ext cx="1411141" cy="2717800"/>
+          </a:xfrm>
+          <a:prstGeom prst="rect">
+            <a:avLst/>
+          </a:prstGeom>
+        </p:spPr>
+      </p:pic>
+      <p:pic>
+        <p:nvPicPr>
+          <p:cNvPr id="25" name="Picture 24" descr="alps_transmitter_859x1000.jpg"/>
+          <p:cNvPicPr>
+            <a:picLocks noChangeAspect="1"/>
+          </p:cNvPicPr>
+          <p:nvPr/>
+        </p:nvPicPr>
+        <p:blipFill>
+          <a:blip r:embed="rId3">
+            <a:extLst>
+              <a:ext uri="{28A0092B-C50C-407E-A947-70E740481C1C}">
+                <a14:useLocalDpi xmlns:a14="http://schemas.microsoft.com/office/drawing/2010/main" val="0"/>
+              </a:ext>
+            </a:extLst>
+          </a:blip>
+          <a:stretch>
+            <a:fillRect/>
+          </a:stretch>
+        </p:blipFill>
+        <p:spPr>
+          <a:xfrm>
+            <a:off x="2133600" y="12496800"/>
+            <a:ext cx="1524000" cy="1774156"/>
+          </a:xfrm>
+          <a:prstGeom prst="rect">
+            <a:avLst/>
+          </a:prstGeom>
+        </p:spPr>
+      </p:pic>
+      <p:pic>
+        <p:nvPicPr>
+          <p:cNvPr id="26" name="Picture 25" descr="alps_transmitter_859x1000.jpg"/>
+          <p:cNvPicPr>
+            <a:picLocks noChangeAspect="1"/>
+          </p:cNvPicPr>
+          <p:nvPr/>
+        </p:nvPicPr>
+        <p:blipFill>
+          <a:blip r:embed="rId3">
+            <a:extLst>
+              <a:ext uri="{28A0092B-C50C-407E-A947-70E740481C1C}">
+                <a14:useLocalDpi xmlns:a14="http://schemas.microsoft.com/office/drawing/2010/main" val="0"/>
+              </a:ext>
+            </a:extLst>
+          </a:blip>
+          <a:stretch>
+            <a:fillRect/>
+          </a:stretch>
+        </p:blipFill>
+        <p:spPr>
+          <a:xfrm>
+            <a:off x="6400800" y="11963400"/>
+            <a:ext cx="1524000" cy="1774156"/>
+          </a:xfrm>
+          <a:prstGeom prst="rect">
+            <a:avLst/>
+          </a:prstGeom>
+        </p:spPr>
+      </p:pic>
+      <p:pic>
+        <p:nvPicPr>
+          <p:cNvPr id="27" name="Picture 26" descr="alps_transmitter_859x1000.jpg"/>
+          <p:cNvPicPr>
+            <a:picLocks noChangeAspect="1"/>
+          </p:cNvPicPr>
+          <p:nvPr/>
+        </p:nvPicPr>
+        <p:blipFill>
+          <a:blip r:embed="rId3">
+            <a:extLst>
+              <a:ext uri="{28A0092B-C50C-407E-A947-70E740481C1C}">
+                <a14:useLocalDpi xmlns:a14="http://schemas.microsoft.com/office/drawing/2010/main" val="0"/>
+              </a:ext>
+            </a:extLst>
+          </a:blip>
+          <a:stretch>
+            <a:fillRect/>
+          </a:stretch>
+        </p:blipFill>
+        <p:spPr>
+          <a:xfrm>
+            <a:off x="1143000" y="15849600"/>
+            <a:ext cx="1524000" cy="1774156"/>
+          </a:xfrm>
+          <a:prstGeom prst="rect">
+            <a:avLst/>
+          </a:prstGeom>
+        </p:spPr>
+      </p:pic>
+      <p:cxnSp>
+        <p:nvCxnSpPr>
+          <p:cNvPr id="29" name="Straight Arrow Connector 28"/>
+          <p:cNvCxnSpPr/>
+          <p:nvPr/>
+        </p:nvCxnSpPr>
+        <p:spPr bwMode="auto">
+          <a:xfrm flipV="1">
+            <a:off x="2743200" y="15925800"/>
+            <a:ext cx="1371600" cy="533400"/>
+          </a:xfrm>
+          <a:prstGeom prst="straightConnector1">
+            <a:avLst/>
+          </a:prstGeom>
+          <a:noFill/>
+          <a:ln w="76200" cap="flat" cmpd="sng" algn="ctr">
+            <a:solidFill>
+              <a:srgbClr val="800080"/>
+            </a:solidFill>
+            <a:prstDash val="solid"/>
+            <a:round/>
+            <a:headEnd type="none" w="med" len="med"/>
+            <a:tailEnd type="triangle"/>
+          </a:ln>
+          <a:effectLst/>
+        </p:spPr>
+      </p:cxnSp>
+      <p:cxnSp>
+        <p:nvCxnSpPr>
+          <p:cNvPr id="30" name="Straight Arrow Connector 29"/>
+          <p:cNvCxnSpPr/>
+          <p:nvPr/>
+        </p:nvCxnSpPr>
+        <p:spPr bwMode="auto">
+          <a:xfrm>
+            <a:off x="3581400" y="14020800"/>
+            <a:ext cx="609600" cy="533400"/>
+          </a:xfrm>
+          <a:prstGeom prst="straightConnector1">
+            <a:avLst/>
+          </a:prstGeom>
+          <a:noFill/>
+          <a:ln w="76200" cap="flat" cmpd="sng" algn="ctr">
+            <a:solidFill>
+              <a:srgbClr val="800080"/>
+            </a:solidFill>
+            <a:prstDash val="solid"/>
+            <a:round/>
+            <a:headEnd type="none" w="med" len="med"/>
+            <a:tailEnd type="triangle"/>
+          </a:ln>
+          <a:effectLst/>
+        </p:spPr>
+      </p:cxnSp>
+      <p:cxnSp>
+        <p:nvCxnSpPr>
+          <p:cNvPr id="33" name="Straight Arrow Connector 32"/>
+          <p:cNvCxnSpPr/>
+          <p:nvPr/>
+        </p:nvCxnSpPr>
+        <p:spPr bwMode="auto">
+          <a:xfrm flipH="1">
+            <a:off x="5638800" y="13411200"/>
+            <a:ext cx="838200" cy="914400"/>
+          </a:xfrm>
+          <a:prstGeom prst="straightConnector1">
+            <a:avLst/>
+          </a:prstGeom>
+          <a:noFill/>
+          <a:ln w="76200" cap="flat" cmpd="sng" algn="ctr">
+            <a:solidFill>
+              <a:srgbClr val="800080"/>
+            </a:solidFill>
+            <a:prstDash val="solid"/>
+            <a:round/>
+            <a:headEnd type="none" w="med" len="med"/>
+            <a:tailEnd type="triangle"/>
+          </a:ln>
+          <a:effectLst/>
+        </p:spPr>
+      </p:cxnSp>
+      <p:sp>
+        <p:nvSpPr>
+          <p:cNvPr id="35" name="Oval 34"/>
+          <p:cNvSpPr/>
+          <p:nvPr/>
+        </p:nvSpPr>
+        <p:spPr bwMode="auto">
+          <a:xfrm>
+            <a:off x="2057400" y="13563600"/>
+            <a:ext cx="228600" cy="228600"/>
+          </a:xfrm>
+          <a:prstGeom prst="ellipse">
+            <a:avLst/>
+          </a:prstGeom>
+          <a:solidFill>
+            <a:srgbClr val="800080"/>
+          </a:solidFill>
+          <a:ln w="9525" cap="flat" cmpd="sng" algn="ctr">
+            <a:noFill/>
+            <a:prstDash val="solid"/>
+            <a:round/>
+            <a:headEnd type="none" w="med" len="med"/>
+            <a:tailEnd type="none" w="med" len="med"/>
+          </a:ln>
+          <a:effectLst/>
+        </p:spPr>
+        <p:txBody>
+          <a:bodyPr vert="horz" wrap="square" lIns="91440" tIns="45720" rIns="91440" bIns="45720" numCol="1" rtlCol="0" anchor="ctr" anchorCtr="0" compatLnSpc="1">
+            <a:prstTxWarp prst="textNoShape">
+              <a:avLst/>
+            </a:prstTxWarp>
+          </a:bodyPr>
+          <a:lstStyle/>
+          <a:p>
+            <a:pPr marL="0" marR="0" indent="0" algn="l" defTabSz="3765550" rtl="0" eaLnBrk="1" fontAlgn="base" latinLnBrk="0" hangingPunct="1">
+              <a:lnSpc>
+                <a:spcPct val="100000"/>
+              </a:lnSpc>
+              <a:spcBef>
+                <a:spcPct val="0"/>
+              </a:spcBef>
+              <a:spcAft>
+                <a:spcPct val="0"/>
+              </a:spcAft>
+              <a:buClrTx/>
+              <a:buSzTx/>
+              <a:buFontTx/>
+              <a:buNone/>
+              <a:tabLst/>
+            </a:pPr>
+            <a:endParaRPr kumimoji="0" lang="en-US" sz="5200" b="1" i="0" u="none" strike="noStrike" cap="none" normalizeH="0" baseline="0" smtClean="0">
+              <a:ln>
+                <a:noFill/>
+              </a:ln>
+              <a:solidFill>
+                <a:schemeClr val="tx2"/>
+              </a:solidFill>
+              <a:effectLst/>
+              <a:latin typeface="Arial" charset="0"/>
+            </a:endParaRPr>
+          </a:p>
+        </p:txBody>
+      </p:sp>
+      <p:sp>
+        <p:nvSpPr>
+          <p:cNvPr id="36" name="Oval 35"/>
+          <p:cNvSpPr/>
+          <p:nvPr/>
+        </p:nvSpPr>
+        <p:spPr bwMode="auto">
+          <a:xfrm>
+            <a:off x="1143000" y="17068800"/>
+            <a:ext cx="228600" cy="228600"/>
+          </a:xfrm>
+          <a:prstGeom prst="ellipse">
+            <a:avLst/>
+          </a:prstGeom>
+          <a:solidFill>
+            <a:srgbClr val="800080"/>
+          </a:solidFill>
+          <a:ln w="9525" cap="flat" cmpd="sng" algn="ctr">
+            <a:noFill/>
+            <a:prstDash val="solid"/>
+            <a:round/>
+            <a:headEnd type="none" w="med" len="med"/>
+            <a:tailEnd type="none" w="med" len="med"/>
+          </a:ln>
+          <a:effectLst/>
+        </p:spPr>
+        <p:txBody>
+          <a:bodyPr vert="horz" wrap="square" lIns="91440" tIns="45720" rIns="91440" bIns="45720" numCol="1" rtlCol="0" anchor="ctr" anchorCtr="0" compatLnSpc="1">
+            <a:prstTxWarp prst="textNoShape">
+              <a:avLst/>
+            </a:prstTxWarp>
+          </a:bodyPr>
+          <a:lstStyle/>
+          <a:p>
+            <a:pPr marL="0" marR="0" indent="0" algn="l" defTabSz="3765550" rtl="0" eaLnBrk="1" fontAlgn="base" latinLnBrk="0" hangingPunct="1">
+              <a:lnSpc>
+                <a:spcPct val="100000"/>
+              </a:lnSpc>
+              <a:spcBef>
+                <a:spcPct val="0"/>
+              </a:spcBef>
+              <a:spcAft>
+                <a:spcPct val="0"/>
+              </a:spcAft>
+              <a:buClrTx/>
+              <a:buSzTx/>
+              <a:buFontTx/>
+              <a:buNone/>
+              <a:tabLst/>
+            </a:pPr>
+            <a:endParaRPr kumimoji="0" lang="en-US" sz="5200" b="1" i="0" u="none" strike="noStrike" cap="none" normalizeH="0" baseline="0" smtClean="0">
+              <a:ln>
+                <a:noFill/>
+              </a:ln>
+              <a:solidFill>
+                <a:schemeClr val="tx2"/>
+              </a:solidFill>
+              <a:effectLst/>
+              <a:latin typeface="Arial" charset="0"/>
+            </a:endParaRPr>
+          </a:p>
+        </p:txBody>
+      </p:sp>
+      <p:sp>
+        <p:nvSpPr>
+          <p:cNvPr id="37" name="Oval 36"/>
+          <p:cNvSpPr/>
+          <p:nvPr/>
+        </p:nvSpPr>
+        <p:spPr bwMode="auto">
+          <a:xfrm>
+            <a:off x="7772400" y="13182600"/>
+            <a:ext cx="228600" cy="228600"/>
+          </a:xfrm>
+          <a:prstGeom prst="ellipse">
+            <a:avLst/>
+          </a:prstGeom>
+          <a:solidFill>
+            <a:srgbClr val="800080"/>
+          </a:solidFill>
+          <a:ln w="9525" cap="flat" cmpd="sng" algn="ctr">
+            <a:noFill/>
+            <a:prstDash val="solid"/>
+            <a:round/>
+            <a:headEnd type="none" w="med" len="med"/>
+            <a:tailEnd type="none" w="med" len="med"/>
+          </a:ln>
+          <a:effectLst/>
+        </p:spPr>
+        <p:txBody>
+          <a:bodyPr vert="horz" wrap="square" lIns="91440" tIns="45720" rIns="91440" bIns="45720" numCol="1" rtlCol="0" anchor="ctr" anchorCtr="0" compatLnSpc="1">
+            <a:prstTxWarp prst="textNoShape">
+              <a:avLst/>
+            </a:prstTxWarp>
+          </a:bodyPr>
+          <a:lstStyle/>
+          <a:p>
+            <a:pPr marL="0" marR="0" indent="0" algn="l" defTabSz="3765550" rtl="0" eaLnBrk="1" fontAlgn="base" latinLnBrk="0" hangingPunct="1">
+              <a:lnSpc>
+                <a:spcPct val="100000"/>
+              </a:lnSpc>
+              <a:spcBef>
+                <a:spcPct val="0"/>
+              </a:spcBef>
+              <a:spcAft>
+                <a:spcPct val="0"/>
+              </a:spcAft>
+              <a:buClrTx/>
+              <a:buSzTx/>
+              <a:buFontTx/>
+              <a:buNone/>
+              <a:tabLst/>
+            </a:pPr>
+            <a:endParaRPr kumimoji="0" lang="en-US" sz="5200" b="1" i="0" u="none" strike="noStrike" cap="none" normalizeH="0" baseline="0" smtClean="0">
+              <a:ln>
+                <a:noFill/>
+              </a:ln>
+              <a:solidFill>
+                <a:schemeClr val="tx2"/>
+              </a:solidFill>
+              <a:effectLst/>
+              <a:latin typeface="Arial" charset="0"/>
+            </a:endParaRPr>
+          </a:p>
+        </p:txBody>
+      </p:sp>
+      <p:sp>
+        <p:nvSpPr>
+          <p:cNvPr id="38" name="Oval 37"/>
+          <p:cNvSpPr/>
+          <p:nvPr/>
+        </p:nvSpPr>
+        <p:spPr bwMode="auto">
+          <a:xfrm>
+            <a:off x="4191000" y="16154400"/>
+            <a:ext cx="228600" cy="228600"/>
+          </a:xfrm>
+          <a:prstGeom prst="ellipse">
+            <a:avLst/>
+          </a:prstGeom>
+          <a:solidFill>
+            <a:srgbClr val="004080"/>
+          </a:solidFill>
+          <a:ln w="9525" cap="flat" cmpd="sng" algn="ctr">
+            <a:noFill/>
+            <a:prstDash val="solid"/>
+            <a:round/>
+            <a:headEnd type="none" w="med" len="med"/>
+            <a:tailEnd type="none" w="med" len="med"/>
+          </a:ln>
+          <a:effectLst/>
+        </p:spPr>
+        <p:txBody>
+          <a:bodyPr vert="horz" wrap="square" lIns="91440" tIns="45720" rIns="91440" bIns="45720" numCol="1" rtlCol="0" anchor="ctr" anchorCtr="0" compatLnSpc="1">
+            <a:prstTxWarp prst="textNoShape">
+              <a:avLst/>
+            </a:prstTxWarp>
+          </a:bodyPr>
+          <a:lstStyle/>
+          <a:p>
+            <a:pPr marL="0" marR="0" indent="0" algn="l" defTabSz="3765550" rtl="0" eaLnBrk="1" fontAlgn="base" latinLnBrk="0" hangingPunct="1">
+              <a:lnSpc>
+                <a:spcPct val="100000"/>
+              </a:lnSpc>
+              <a:spcBef>
+                <a:spcPct val="0"/>
+              </a:spcBef>
+              <a:spcAft>
+                <a:spcPct val="0"/>
+              </a:spcAft>
+              <a:buClrTx/>
+              <a:buSzTx/>
+              <a:buFontTx/>
+              <a:buNone/>
+              <a:tabLst/>
+            </a:pPr>
+            <a:endParaRPr kumimoji="0" lang="en-US" sz="5200" b="1" i="0" u="none" strike="noStrike" cap="none" normalizeH="0" baseline="0" smtClean="0">
+              <a:ln>
+                <a:noFill/>
+              </a:ln>
+              <a:solidFill>
+                <a:schemeClr val="tx2"/>
+              </a:solidFill>
+              <a:effectLst/>
+              <a:latin typeface="Arial" charset="0"/>
+            </a:endParaRPr>
+          </a:p>
+        </p:txBody>
+      </p:sp>
+      <p:pic>
+        <p:nvPicPr>
+          <p:cNvPr id="39" name="Picture 38" descr="Screenshot 2015-08-04 16.41.00.png"/>
+          <p:cNvPicPr>
+            <a:picLocks noChangeAspect="1"/>
+          </p:cNvPicPr>
+          <p:nvPr/>
+        </p:nvPicPr>
+        <p:blipFill>
+          <a:blip r:embed="rId4">
+            <a:extLst>
+              <a:ext uri="{28A0092B-C50C-407E-A947-70E740481C1C}">
+                <a14:useLocalDpi xmlns:a14="http://schemas.microsoft.com/office/drawing/2010/main" val="0"/>
+              </a:ext>
+            </a:extLst>
+          </a:blip>
+          <a:stretch>
+            <a:fillRect/>
+          </a:stretch>
+        </p:blipFill>
+        <p:spPr>
+          <a:xfrm>
+            <a:off x="9601200" y="14401800"/>
+            <a:ext cx="8559800" cy="4052754"/>
+          </a:xfrm>
+          <a:prstGeom prst="rect">
+            <a:avLst/>
+          </a:prstGeom>
+          <a:ln w="38100" cmpd="sng">
+            <a:solidFill>
+              <a:schemeClr val="tx1"/>
+            </a:solidFill>
+          </a:ln>
+        </p:spPr>
+      </p:pic>
+      <p:sp>
+        <p:nvSpPr>
+          <p:cNvPr id="23" name="TextBox 22"/>
+          <p:cNvSpPr txBox="1"/>
+          <p:nvPr/>
+        </p:nvSpPr>
+        <p:spPr>
+          <a:xfrm>
+            <a:off x="14020800" y="14630400"/>
+            <a:ext cx="3276600" cy="769441"/>
+          </a:xfrm>
+          <a:prstGeom prst="rect">
+            <a:avLst/>
+          </a:prstGeom>
+          <a:solidFill>
+            <a:schemeClr val="bg1"/>
+          </a:solidFill>
+        </p:spPr>
+        <p:txBody>
+          <a:bodyPr wrap="square" rtlCol="0">
+            <a:spAutoFit/>
+          </a:bodyPr>
+          <a:lstStyle/>
+          <a:p>
             <a:pPr algn="ctr"/>
             <a:r>
-              <a:rPr lang="en-US" sz="5400" b="0" dirty="0" err="1" smtClean="0">
+              <a:rPr lang="en-US" sz="4400" b="0" dirty="0" err="1" smtClean="0">
+                <a:solidFill>
+                  <a:srgbClr val="408000"/>
+                </a:solidFill>
                 <a:latin typeface="Arial Narrow"/>
                 <a:cs typeface="Arial Narrow"/>
               </a:rPr>
-              <a:t>Reconfigurability</a:t>
+              <a:t>Accessors</a:t>
+            </a:r>
+            <a:endParaRPr lang="en-US" sz="4400" b="0" dirty="0">
+              <a:solidFill>
+                <a:srgbClr val="408000"/>
+              </a:solidFill>
+              <a:latin typeface="Arial Narrow"/>
+              <a:cs typeface="Arial Narrow"/>
+            </a:endParaRPr>
+          </a:p>
+        </p:txBody>
+      </p:sp>
+      <p:sp>
+        <p:nvSpPr>
+          <p:cNvPr id="40" name="Oval 39"/>
+          <p:cNvSpPr/>
+          <p:nvPr/>
+        </p:nvSpPr>
+        <p:spPr bwMode="auto">
+          <a:xfrm>
+            <a:off x="10058400" y="16154400"/>
+            <a:ext cx="228600" cy="228600"/>
+          </a:xfrm>
+          <a:prstGeom prst="ellipse">
+            <a:avLst/>
+          </a:prstGeom>
+          <a:solidFill>
+            <a:srgbClr val="408000"/>
+          </a:solidFill>
+          <a:ln w="9525" cap="flat" cmpd="sng" algn="ctr">
+            <a:noFill/>
+            <a:prstDash val="solid"/>
+            <a:round/>
+            <a:headEnd type="none" w="med" len="med"/>
+            <a:tailEnd type="none" w="med" len="med"/>
+          </a:ln>
+          <a:effectLst/>
+        </p:spPr>
+        <p:txBody>
+          <a:bodyPr vert="horz" wrap="square" lIns="91440" tIns="45720" rIns="91440" bIns="45720" numCol="1" rtlCol="0" anchor="ctr" anchorCtr="0" compatLnSpc="1">
+            <a:prstTxWarp prst="textNoShape">
+              <a:avLst/>
+            </a:prstTxWarp>
+          </a:bodyPr>
+          <a:lstStyle/>
+          <a:p>
+            <a:pPr marL="0" marR="0" indent="0" algn="l" defTabSz="3765550" rtl="0" eaLnBrk="1" fontAlgn="base" latinLnBrk="0" hangingPunct="1">
+              <a:lnSpc>
+                <a:spcPct val="100000"/>
+              </a:lnSpc>
+              <a:spcBef>
+                <a:spcPct val="0"/>
+              </a:spcBef>
+              <a:spcAft>
+                <a:spcPct val="0"/>
+              </a:spcAft>
+              <a:buClrTx/>
+              <a:buSzTx/>
+              <a:buFontTx/>
+              <a:buNone/>
+              <a:tabLst/>
+            </a:pPr>
+            <a:endParaRPr kumimoji="0" lang="en-US" sz="5200" b="1" i="0" u="none" strike="noStrike" cap="none" normalizeH="0" baseline="0" smtClean="0">
+              <a:ln>
+                <a:noFill/>
+              </a:ln>
+              <a:solidFill>
+                <a:schemeClr val="tx2"/>
+              </a:solidFill>
+              <a:effectLst/>
+              <a:latin typeface="Arial" charset="0"/>
+            </a:endParaRPr>
+          </a:p>
+        </p:txBody>
+      </p:sp>
+      <p:sp>
+        <p:nvSpPr>
+          <p:cNvPr id="41" name="Oval 40"/>
+          <p:cNvSpPr/>
+          <p:nvPr/>
+        </p:nvSpPr>
+        <p:spPr bwMode="auto">
+          <a:xfrm>
+            <a:off x="13030200" y="16154400"/>
+            <a:ext cx="228600" cy="228600"/>
+          </a:xfrm>
+          <a:prstGeom prst="ellipse">
+            <a:avLst/>
+          </a:prstGeom>
+          <a:solidFill>
+            <a:srgbClr val="408000"/>
+          </a:solidFill>
+          <a:ln w="9525" cap="flat" cmpd="sng" algn="ctr">
+            <a:noFill/>
+            <a:prstDash val="solid"/>
+            <a:round/>
+            <a:headEnd type="none" w="med" len="med"/>
+            <a:tailEnd type="none" w="med" len="med"/>
+          </a:ln>
+          <a:effectLst/>
+        </p:spPr>
+        <p:txBody>
+          <a:bodyPr vert="horz" wrap="square" lIns="91440" tIns="45720" rIns="91440" bIns="45720" numCol="1" rtlCol="0" anchor="ctr" anchorCtr="0" compatLnSpc="1">
+            <a:prstTxWarp prst="textNoShape">
+              <a:avLst/>
+            </a:prstTxWarp>
+          </a:bodyPr>
+          <a:lstStyle/>
+          <a:p>
+            <a:pPr marL="0" marR="0" indent="0" algn="l" defTabSz="3765550" rtl="0" eaLnBrk="1" fontAlgn="base" latinLnBrk="0" hangingPunct="1">
+              <a:lnSpc>
+                <a:spcPct val="100000"/>
+              </a:lnSpc>
+              <a:spcBef>
+                <a:spcPct val="0"/>
+              </a:spcBef>
+              <a:spcAft>
+                <a:spcPct val="0"/>
+              </a:spcAft>
+              <a:buClrTx/>
+              <a:buSzTx/>
+              <a:buFontTx/>
+              <a:buNone/>
+              <a:tabLst/>
+            </a:pPr>
+            <a:endParaRPr kumimoji="0" lang="en-US" sz="5200" b="1" i="0" u="none" strike="noStrike" cap="none" normalizeH="0" baseline="0" smtClean="0">
+              <a:ln>
+                <a:noFill/>
+              </a:ln>
+              <a:solidFill>
+                <a:schemeClr val="tx2"/>
+              </a:solidFill>
+              <a:effectLst/>
+              <a:latin typeface="Arial" charset="0"/>
+            </a:endParaRPr>
+          </a:p>
+        </p:txBody>
+      </p:sp>
+      <p:sp>
+        <p:nvSpPr>
+          <p:cNvPr id="42" name="Oval 41"/>
+          <p:cNvSpPr/>
+          <p:nvPr/>
+        </p:nvSpPr>
+        <p:spPr bwMode="auto">
+          <a:xfrm>
+            <a:off x="12877800" y="17907000"/>
+            <a:ext cx="228600" cy="228600"/>
+          </a:xfrm>
+          <a:prstGeom prst="ellipse">
+            <a:avLst/>
+          </a:prstGeom>
+          <a:solidFill>
+            <a:srgbClr val="408000"/>
+          </a:solidFill>
+          <a:ln w="9525" cap="flat" cmpd="sng" algn="ctr">
+            <a:noFill/>
+            <a:prstDash val="solid"/>
+            <a:round/>
+            <a:headEnd type="none" w="med" len="med"/>
+            <a:tailEnd type="none" w="med" len="med"/>
+          </a:ln>
+          <a:effectLst/>
+        </p:spPr>
+        <p:txBody>
+          <a:bodyPr vert="horz" wrap="square" lIns="91440" tIns="45720" rIns="91440" bIns="45720" numCol="1" rtlCol="0" anchor="ctr" anchorCtr="0" compatLnSpc="1">
+            <a:prstTxWarp prst="textNoShape">
+              <a:avLst/>
+            </a:prstTxWarp>
+          </a:bodyPr>
+          <a:lstStyle/>
+          <a:p>
+            <a:pPr marL="0" marR="0" indent="0" algn="l" defTabSz="3765550" rtl="0" eaLnBrk="1" fontAlgn="base" latinLnBrk="0" hangingPunct="1">
+              <a:lnSpc>
+                <a:spcPct val="100000"/>
+              </a:lnSpc>
+              <a:spcBef>
+                <a:spcPct val="0"/>
+              </a:spcBef>
+              <a:spcAft>
+                <a:spcPct val="0"/>
+              </a:spcAft>
+              <a:buClrTx/>
+              <a:buSzTx/>
+              <a:buFontTx/>
+              <a:buNone/>
+              <a:tabLst/>
+            </a:pPr>
+            <a:endParaRPr kumimoji="0" lang="en-US" sz="5200" b="1" i="0" u="none" strike="noStrike" cap="none" normalizeH="0" baseline="0" smtClean="0">
+              <a:ln>
+                <a:noFill/>
+              </a:ln>
+              <a:solidFill>
+                <a:schemeClr val="tx2"/>
+              </a:solidFill>
+              <a:effectLst/>
+              <a:latin typeface="Arial" charset="0"/>
+            </a:endParaRPr>
+          </a:p>
+        </p:txBody>
+      </p:sp>
+      <p:sp>
+        <p:nvSpPr>
+          <p:cNvPr id="43" name="Oval 42"/>
+          <p:cNvSpPr/>
+          <p:nvPr/>
+        </p:nvSpPr>
+        <p:spPr bwMode="auto">
+          <a:xfrm>
+            <a:off x="17602200" y="15925800"/>
+            <a:ext cx="228600" cy="228600"/>
+          </a:xfrm>
+          <a:prstGeom prst="ellipse">
+            <a:avLst/>
+          </a:prstGeom>
+          <a:solidFill>
+            <a:srgbClr val="408000"/>
+          </a:solidFill>
+          <a:ln w="9525" cap="flat" cmpd="sng" algn="ctr">
+            <a:noFill/>
+            <a:prstDash val="solid"/>
+            <a:round/>
+            <a:headEnd type="none" w="med" len="med"/>
+            <a:tailEnd type="none" w="med" len="med"/>
+          </a:ln>
+          <a:effectLst/>
+        </p:spPr>
+        <p:txBody>
+          <a:bodyPr vert="horz" wrap="square" lIns="91440" tIns="45720" rIns="91440" bIns="45720" numCol="1" rtlCol="0" anchor="ctr" anchorCtr="0" compatLnSpc="1">
+            <a:prstTxWarp prst="textNoShape">
+              <a:avLst/>
+            </a:prstTxWarp>
+          </a:bodyPr>
+          <a:lstStyle/>
+          <a:p>
+            <a:pPr marL="0" marR="0" indent="0" algn="l" defTabSz="3765550" rtl="0" eaLnBrk="1" fontAlgn="base" latinLnBrk="0" hangingPunct="1">
+              <a:lnSpc>
+                <a:spcPct val="100000"/>
+              </a:lnSpc>
+              <a:spcBef>
+                <a:spcPct val="0"/>
+              </a:spcBef>
+              <a:spcAft>
+                <a:spcPct val="0"/>
+              </a:spcAft>
+              <a:buClrTx/>
+              <a:buSzTx/>
+              <a:buFontTx/>
+              <a:buNone/>
+              <a:tabLst/>
+            </a:pPr>
+            <a:endParaRPr kumimoji="0" lang="en-US" sz="5200" b="1" i="0" u="none" strike="noStrike" cap="none" normalizeH="0" baseline="0" smtClean="0">
+              <a:ln>
+                <a:noFill/>
+              </a:ln>
+              <a:solidFill>
+                <a:schemeClr val="tx2"/>
+              </a:solidFill>
+              <a:effectLst/>
+              <a:latin typeface="Arial" charset="0"/>
+            </a:endParaRPr>
+          </a:p>
+        </p:txBody>
+      </p:sp>
+      <p:sp>
+        <p:nvSpPr>
+          <p:cNvPr id="44" name="Oval 43"/>
+          <p:cNvSpPr/>
+          <p:nvPr/>
+        </p:nvSpPr>
+        <p:spPr bwMode="auto">
+          <a:xfrm>
+            <a:off x="9601200" y="17754600"/>
+            <a:ext cx="228600" cy="228600"/>
+          </a:xfrm>
+          <a:prstGeom prst="ellipse">
+            <a:avLst/>
+          </a:prstGeom>
+          <a:solidFill>
+            <a:srgbClr val="408000"/>
+          </a:solidFill>
+          <a:ln w="9525" cap="flat" cmpd="sng" algn="ctr">
+            <a:noFill/>
+            <a:prstDash val="solid"/>
+            <a:round/>
+            <a:headEnd type="none" w="med" len="med"/>
+            <a:tailEnd type="none" w="med" len="med"/>
+          </a:ln>
+          <a:effectLst/>
+        </p:spPr>
+        <p:txBody>
+          <a:bodyPr vert="horz" wrap="square" lIns="91440" tIns="45720" rIns="91440" bIns="45720" numCol="1" rtlCol="0" anchor="ctr" anchorCtr="0" compatLnSpc="1">
+            <a:prstTxWarp prst="textNoShape">
+              <a:avLst/>
+            </a:prstTxWarp>
+          </a:bodyPr>
+          <a:lstStyle/>
+          <a:p>
+            <a:pPr marL="0" marR="0" indent="0" algn="l" defTabSz="3765550" rtl="0" eaLnBrk="1" fontAlgn="base" latinLnBrk="0" hangingPunct="1">
+              <a:lnSpc>
+                <a:spcPct val="100000"/>
+              </a:lnSpc>
+              <a:spcBef>
+                <a:spcPct val="0"/>
+              </a:spcBef>
+              <a:spcAft>
+                <a:spcPct val="0"/>
+              </a:spcAft>
+              <a:buClrTx/>
+              <a:buSzTx/>
+              <a:buFontTx/>
+              <a:buNone/>
+              <a:tabLst/>
+            </a:pPr>
+            <a:endParaRPr kumimoji="0" lang="en-US" sz="5200" b="1" i="0" u="none" strike="noStrike" cap="none" normalizeH="0" baseline="0" smtClean="0">
+              <a:ln>
+                <a:noFill/>
+              </a:ln>
+              <a:solidFill>
+                <a:schemeClr val="tx2"/>
+              </a:solidFill>
+              <a:effectLst/>
+              <a:latin typeface="Arial" charset="0"/>
+            </a:endParaRPr>
+          </a:p>
+        </p:txBody>
+      </p:sp>
+      <p:cxnSp>
+        <p:nvCxnSpPr>
+          <p:cNvPr id="45" name="Straight Arrow Connector 44"/>
+          <p:cNvCxnSpPr/>
+          <p:nvPr/>
+        </p:nvCxnSpPr>
+        <p:spPr bwMode="auto">
+          <a:xfrm>
+            <a:off x="5638800" y="15773400"/>
+            <a:ext cx="3733800" cy="304800"/>
+          </a:xfrm>
+          <a:prstGeom prst="straightConnector1">
+            <a:avLst/>
+          </a:prstGeom>
+          <a:noFill/>
+          <a:ln w="76200" cap="flat" cmpd="sng" algn="ctr">
+            <a:solidFill>
+              <a:srgbClr val="000080"/>
+            </a:solidFill>
+            <a:prstDash val="solid"/>
+            <a:round/>
+            <a:headEnd type="none" w="med" len="med"/>
+            <a:tailEnd type="triangle"/>
+          </a:ln>
+          <a:effectLst/>
+        </p:spPr>
+      </p:cxnSp>
+      <p:cxnSp>
+        <p:nvCxnSpPr>
+          <p:cNvPr id="48" name="Straight Arrow Connector 47"/>
+          <p:cNvCxnSpPr/>
+          <p:nvPr/>
+        </p:nvCxnSpPr>
+        <p:spPr bwMode="auto">
+          <a:xfrm>
+            <a:off x="5638800" y="15773400"/>
+            <a:ext cx="3733800" cy="1752600"/>
+          </a:xfrm>
+          <a:prstGeom prst="straightConnector1">
+            <a:avLst/>
+          </a:prstGeom>
+          <a:noFill/>
+          <a:ln w="76200" cap="flat" cmpd="sng" algn="ctr">
+            <a:solidFill>
+              <a:srgbClr val="000080"/>
+            </a:solidFill>
+            <a:prstDash val="solid"/>
+            <a:round/>
+            <a:headEnd type="none" w="med" len="med"/>
+            <a:tailEnd type="triangle"/>
+          </a:ln>
+          <a:effectLst/>
+        </p:spPr>
+      </p:cxnSp>
+      <p:pic>
+        <p:nvPicPr>
+          <p:cNvPr id="52" name="Picture 51" descr="scarab_837x1000.jpg"/>
+          <p:cNvPicPr>
+            <a:picLocks noChangeAspect="1"/>
+          </p:cNvPicPr>
+          <p:nvPr/>
+        </p:nvPicPr>
+        <p:blipFill>
+          <a:blip r:embed="rId5">
+            <a:extLst>
+              <a:ext uri="{28A0092B-C50C-407E-A947-70E740481C1C}">
+                <a14:useLocalDpi xmlns:a14="http://schemas.microsoft.com/office/drawing/2010/main" val="0"/>
+              </a:ext>
+            </a:extLst>
+          </a:blip>
+          <a:stretch>
+            <a:fillRect/>
+          </a:stretch>
+        </p:blipFill>
+        <p:spPr>
+          <a:xfrm>
+            <a:off x="19583400" y="13411200"/>
+            <a:ext cx="3111500" cy="3717443"/>
+          </a:xfrm>
+          <a:prstGeom prst="rect">
+            <a:avLst/>
+          </a:prstGeom>
+        </p:spPr>
+      </p:pic>
+      <p:sp>
+        <p:nvSpPr>
+          <p:cNvPr id="53" name="Oval 52"/>
+          <p:cNvSpPr/>
+          <p:nvPr/>
+        </p:nvSpPr>
+        <p:spPr bwMode="auto">
+          <a:xfrm>
+            <a:off x="19735800" y="16306800"/>
+            <a:ext cx="228600" cy="228600"/>
+          </a:xfrm>
+          <a:prstGeom prst="ellipse">
+            <a:avLst/>
+          </a:prstGeom>
+          <a:solidFill>
+            <a:srgbClr val="800040"/>
+          </a:solidFill>
+          <a:ln w="9525" cap="flat" cmpd="sng" algn="ctr">
+            <a:noFill/>
+            <a:prstDash val="solid"/>
+            <a:round/>
+            <a:headEnd type="none" w="med" len="med"/>
+            <a:tailEnd type="none" w="med" len="med"/>
+          </a:ln>
+          <a:effectLst/>
+        </p:spPr>
+        <p:txBody>
+          <a:bodyPr vert="horz" wrap="square" lIns="91440" tIns="45720" rIns="91440" bIns="45720" numCol="1" rtlCol="0" anchor="ctr" anchorCtr="0" compatLnSpc="1">
+            <a:prstTxWarp prst="textNoShape">
+              <a:avLst/>
+            </a:prstTxWarp>
+          </a:bodyPr>
+          <a:lstStyle/>
+          <a:p>
+            <a:pPr marL="0" marR="0" indent="0" algn="l" defTabSz="3765550" rtl="0" eaLnBrk="1" fontAlgn="base" latinLnBrk="0" hangingPunct="1">
+              <a:lnSpc>
+                <a:spcPct val="100000"/>
+              </a:lnSpc>
+              <a:spcBef>
+                <a:spcPct val="0"/>
+              </a:spcBef>
+              <a:spcAft>
+                <a:spcPct val="0"/>
+              </a:spcAft>
+              <a:buClrTx/>
+              <a:buSzTx/>
+              <a:buFontTx/>
+              <a:buNone/>
+              <a:tabLst/>
+            </a:pPr>
+            <a:endParaRPr kumimoji="0" lang="en-US" sz="5200" b="1" i="0" u="none" strike="noStrike" cap="none" normalizeH="0" baseline="0" smtClean="0">
+              <a:ln>
+                <a:noFill/>
+              </a:ln>
+              <a:solidFill>
+                <a:schemeClr val="tx2"/>
+              </a:solidFill>
+              <a:effectLst/>
+              <a:latin typeface="Arial" charset="0"/>
+            </a:endParaRPr>
+          </a:p>
+        </p:txBody>
+      </p:sp>
+      <p:cxnSp>
+        <p:nvCxnSpPr>
+          <p:cNvPr id="54" name="Straight Arrow Connector 53"/>
+          <p:cNvCxnSpPr/>
+          <p:nvPr/>
+        </p:nvCxnSpPr>
+        <p:spPr bwMode="auto">
+          <a:xfrm flipV="1">
+            <a:off x="17907000" y="15087600"/>
+            <a:ext cx="1981200" cy="990600"/>
+          </a:xfrm>
+          <a:prstGeom prst="straightConnector1">
+            <a:avLst/>
+          </a:prstGeom>
+          <a:noFill/>
+          <a:ln w="76200" cap="flat" cmpd="sng" algn="ctr">
+            <a:solidFill>
+              <a:srgbClr val="408000"/>
+            </a:solidFill>
+            <a:prstDash val="solid"/>
+            <a:round/>
+            <a:headEnd type="none" w="med" len="med"/>
+            <a:tailEnd type="triangle"/>
+          </a:ln>
+          <a:effectLst/>
+        </p:spPr>
+      </p:cxnSp>
+      <p:pic>
+        <p:nvPicPr>
+          <p:cNvPr id="58" name="Picture 57" descr="bbb4_2015-07-09.2.jpeg"/>
+          <p:cNvPicPr>
+            <a:picLocks noChangeAspect="1"/>
+          </p:cNvPicPr>
+          <p:nvPr/>
+        </p:nvPicPr>
+        <p:blipFill>
+          <a:blip r:embed="rId6">
+            <a:extLst>
+              <a:ext uri="{28A0092B-C50C-407E-A947-70E740481C1C}">
+                <a14:useLocalDpi xmlns:a14="http://schemas.microsoft.com/office/drawing/2010/main" val="0"/>
+              </a:ext>
+            </a:extLst>
+          </a:blip>
+          <a:stretch>
+            <a:fillRect/>
+          </a:stretch>
+        </p:blipFill>
+        <p:spPr>
+          <a:xfrm>
+            <a:off x="23622000" y="14782800"/>
+            <a:ext cx="3113314" cy="3352800"/>
+          </a:xfrm>
+          <a:prstGeom prst="rect">
+            <a:avLst/>
+          </a:prstGeom>
+        </p:spPr>
+      </p:pic>
+      <p:sp>
+        <p:nvSpPr>
+          <p:cNvPr id="59" name="Oval 58"/>
+          <p:cNvSpPr/>
+          <p:nvPr/>
+        </p:nvSpPr>
+        <p:spPr bwMode="auto">
+          <a:xfrm>
+            <a:off x="23545800" y="17983200"/>
+            <a:ext cx="228600" cy="228600"/>
+          </a:xfrm>
+          <a:prstGeom prst="ellipse">
+            <a:avLst/>
+          </a:prstGeom>
+          <a:solidFill>
+            <a:srgbClr val="804000"/>
+          </a:solidFill>
+          <a:ln w="9525" cap="flat" cmpd="sng" algn="ctr">
+            <a:noFill/>
+            <a:prstDash val="solid"/>
+            <a:round/>
+            <a:headEnd type="none" w="med" len="med"/>
+            <a:tailEnd type="none" w="med" len="med"/>
+          </a:ln>
+          <a:effectLst/>
+        </p:spPr>
+        <p:txBody>
+          <a:bodyPr vert="horz" wrap="square" lIns="91440" tIns="45720" rIns="91440" bIns="45720" numCol="1" rtlCol="0" anchor="ctr" anchorCtr="0" compatLnSpc="1">
+            <a:prstTxWarp prst="textNoShape">
+              <a:avLst/>
+            </a:prstTxWarp>
+          </a:bodyPr>
+          <a:lstStyle/>
+          <a:p>
+            <a:pPr marL="0" marR="0" indent="0" algn="l" defTabSz="3765550" rtl="0" eaLnBrk="1" fontAlgn="base" latinLnBrk="0" hangingPunct="1">
+              <a:lnSpc>
+                <a:spcPct val="100000"/>
+              </a:lnSpc>
+              <a:spcBef>
+                <a:spcPct val="0"/>
+              </a:spcBef>
+              <a:spcAft>
+                <a:spcPct val="0"/>
+              </a:spcAft>
+              <a:buClrTx/>
+              <a:buSzTx/>
+              <a:buFontTx/>
+              <a:buNone/>
+              <a:tabLst/>
+            </a:pPr>
+            <a:endParaRPr kumimoji="0" lang="en-US" sz="5200" b="1" i="0" u="none" strike="noStrike" cap="none" normalizeH="0" baseline="0" smtClean="0">
+              <a:ln>
+                <a:noFill/>
+              </a:ln>
+              <a:solidFill>
+                <a:schemeClr val="tx2"/>
+              </a:solidFill>
+              <a:effectLst/>
+              <a:latin typeface="Arial" charset="0"/>
+            </a:endParaRPr>
+          </a:p>
+        </p:txBody>
+      </p:sp>
+      <p:sp>
+        <p:nvSpPr>
+          <p:cNvPr id="62" name="TextBox 61"/>
+          <p:cNvSpPr txBox="1"/>
+          <p:nvPr/>
+        </p:nvSpPr>
+        <p:spPr>
+          <a:xfrm>
+            <a:off x="24765000" y="16916400"/>
+            <a:ext cx="990600" cy="707886"/>
+          </a:xfrm>
+          <a:prstGeom prst="rect">
+            <a:avLst/>
+          </a:prstGeom>
+          <a:noFill/>
+        </p:spPr>
+        <p:txBody>
+          <a:bodyPr wrap="square" rtlCol="0">
+            <a:spAutoFit/>
+          </a:bodyPr>
+          <a:lstStyle/>
+          <a:p>
+            <a:pPr algn="ctr"/>
+            <a:r>
+              <a:rPr lang="en-US" dirty="0" smtClean="0">
+                <a:solidFill>
+                  <a:srgbClr val="804000"/>
+                </a:solidFill>
+              </a:rPr>
+              <a:t>S</a:t>
+            </a:r>
+            <a:endParaRPr lang="en-US" dirty="0">
+              <a:solidFill>
+                <a:srgbClr val="804000"/>
+              </a:solidFill>
+            </a:endParaRPr>
+          </a:p>
+        </p:txBody>
+      </p:sp>
+      <p:sp>
+        <p:nvSpPr>
+          <p:cNvPr id="63" name="TextBox 62"/>
+          <p:cNvSpPr txBox="1"/>
+          <p:nvPr/>
+        </p:nvSpPr>
+        <p:spPr>
+          <a:xfrm>
+            <a:off x="25831800" y="15522714"/>
+            <a:ext cx="990600" cy="707886"/>
+          </a:xfrm>
+          <a:prstGeom prst="rect">
+            <a:avLst/>
+          </a:prstGeom>
+          <a:noFill/>
+        </p:spPr>
+        <p:txBody>
+          <a:bodyPr wrap="square" rtlCol="0">
+            <a:spAutoFit/>
+          </a:bodyPr>
+          <a:lstStyle/>
+          <a:p>
+            <a:pPr algn="ctr"/>
+            <a:r>
+              <a:rPr lang="en-US" dirty="0" smtClean="0">
+                <a:solidFill>
+                  <a:srgbClr val="804000"/>
+                </a:solidFill>
+              </a:rPr>
+              <a:t>E</a:t>
+            </a:r>
+            <a:endParaRPr lang="en-US" dirty="0">
+              <a:solidFill>
+                <a:srgbClr val="804000"/>
+              </a:solidFill>
+            </a:endParaRPr>
+          </a:p>
+        </p:txBody>
+      </p:sp>
+      <p:cxnSp>
+        <p:nvCxnSpPr>
+          <p:cNvPr id="64" name="Straight Arrow Connector 63"/>
+          <p:cNvCxnSpPr/>
+          <p:nvPr/>
+        </p:nvCxnSpPr>
+        <p:spPr bwMode="auto">
+          <a:xfrm flipH="1" flipV="1">
+            <a:off x="22631400" y="16154400"/>
+            <a:ext cx="2438400" cy="990600"/>
+          </a:xfrm>
+          <a:prstGeom prst="straightConnector1">
+            <a:avLst/>
+          </a:prstGeom>
+          <a:noFill/>
+          <a:ln w="76200" cap="flat" cmpd="sng" algn="ctr">
+            <a:solidFill>
+              <a:srgbClr val="804000"/>
+            </a:solidFill>
+            <a:prstDash val="solid"/>
+            <a:round/>
+            <a:headEnd type="none" w="med" len="med"/>
+            <a:tailEnd type="triangle"/>
+          </a:ln>
+          <a:effectLst/>
+        </p:spPr>
+      </p:cxnSp>
+      <p:pic>
+        <p:nvPicPr>
+          <p:cNvPr id="69" name="Picture 68" descr="Screenshot 2015-08-04 17.48.53.png"/>
+          <p:cNvPicPr>
+            <a:picLocks noChangeAspect="1"/>
+          </p:cNvPicPr>
+          <p:nvPr/>
+        </p:nvPicPr>
+        <p:blipFill rotWithShape="1">
+          <a:blip r:embed="rId7">
+            <a:extLst>
+              <a:ext uri="{28A0092B-C50C-407E-A947-70E740481C1C}">
+                <a14:useLocalDpi xmlns:a14="http://schemas.microsoft.com/office/drawing/2010/main" val="0"/>
+              </a:ext>
+            </a:extLst>
+          </a:blip>
+          <a:srcRect l="27307"/>
+          <a:stretch/>
+        </p:blipFill>
+        <p:spPr>
+          <a:xfrm>
+            <a:off x="15163800" y="28519480"/>
+            <a:ext cx="9084291" cy="5237120"/>
+          </a:xfrm>
+          <a:prstGeom prst="rect">
+            <a:avLst/>
+          </a:prstGeom>
+        </p:spPr>
+      </p:pic>
+      <p:sp>
+        <p:nvSpPr>
+          <p:cNvPr id="70" name="TextBox 69"/>
+          <p:cNvSpPr txBox="1"/>
+          <p:nvPr/>
+        </p:nvSpPr>
+        <p:spPr>
+          <a:xfrm>
+            <a:off x="-1447800" y="20116800"/>
+            <a:ext cx="30403800" cy="1107996"/>
+          </a:xfrm>
+          <a:prstGeom prst="rect">
+            <a:avLst/>
+          </a:prstGeom>
+          <a:noFill/>
+          <a:ln w="38100" cmpd="sng">
+            <a:solidFill>
+              <a:schemeClr val="bg1">
+                <a:lumMod val="65000"/>
+              </a:schemeClr>
+            </a:solidFill>
+          </a:ln>
+        </p:spPr>
+        <p:txBody>
+          <a:bodyPr wrap="square" tIns="137160" bIns="137160" rtlCol="0">
+            <a:spAutoFit/>
+          </a:bodyPr>
+          <a:lstStyle/>
+          <a:p>
+            <a:pPr algn="ctr"/>
+            <a:r>
+              <a:rPr lang="en-US" sz="5400" b="0" dirty="0" smtClean="0">
+                <a:latin typeface="Arial Narrow"/>
+                <a:cs typeface="Arial Narrow"/>
+              </a:rPr>
+              <a:t>Technology</a:t>
             </a:r>
             <a:endParaRPr lang="en-US" sz="5400" b="0" dirty="0">
               <a:latin typeface="Arial Narrow"/>
@@ -2851,16 +4242,79 @@
           </a:p>
         </p:txBody>
       </p:sp>
-      <p:sp>
-        <p:nvSpPr>
-          <p:cNvPr id="22" name="TextBox 21"/>
+      <p:pic>
+        <p:nvPicPr>
+          <p:cNvPr id="71" name="Picture 70"/>
+          <p:cNvPicPr>
+            <a:picLocks noChangeAspect="1"/>
+          </p:cNvPicPr>
+          <p:nvPr/>
+        </p:nvPicPr>
+        <p:blipFill>
+          <a:blip r:embed="rId8">
+            <a:extLst>
+              <a:ext uri="{BEBA8EAE-BF5A-486C-A8C5-ECC9F3942E4B}">
+                <a14:imgProps xmlns:a14="http://schemas.microsoft.com/office/drawing/2010/main">
+                  <a14:imgLayer r:embed="rId9">
+                    <a14:imgEffect>
+                      <a14:backgroundRemoval t="3300" b="91450" l="4968" r="93355"/>
+                    </a14:imgEffect>
+                  </a14:imgLayer>
+                </a14:imgProps>
+              </a:ext>
+            </a:extLst>
+          </a:blip>
+          <a:stretch>
+            <a:fillRect/>
+          </a:stretch>
+        </p:blipFill>
+        <p:spPr>
+          <a:xfrm>
+            <a:off x="24384000" y="30424480"/>
+            <a:ext cx="1828800" cy="2359742"/>
+          </a:xfrm>
+          <a:prstGeom prst="rect">
+            <a:avLst/>
+          </a:prstGeom>
+        </p:spPr>
+      </p:pic>
+      <p:cxnSp>
+        <p:nvCxnSpPr>
+          <p:cNvPr id="72" name="Straight Arrow Connector 71"/>
+          <p:cNvCxnSpPr/>
+          <p:nvPr/>
+        </p:nvCxnSpPr>
+        <p:spPr bwMode="auto">
+          <a:xfrm flipV="1">
+            <a:off x="24231600" y="31948480"/>
+            <a:ext cx="609600" cy="304800"/>
+          </a:xfrm>
+          <a:prstGeom prst="straightConnector1">
+            <a:avLst/>
+          </a:prstGeom>
+          <a:noFill/>
+          <a:ln w="76200" cap="flat" cmpd="sng" algn="ctr">
+            <a:solidFill>
+              <a:schemeClr val="tx1"/>
+            </a:solidFill>
+            <a:prstDash val="solid"/>
+            <a:round/>
+            <a:headEnd type="none" w="med" len="med"/>
+            <a:tailEnd type="triangle"/>
+          </a:ln>
+          <a:effectLst/>
+        </p:spPr>
+      </p:cxnSp>
+      <p:sp>
+        <p:nvSpPr>
+          <p:cNvPr id="74" name="TextBox 73"/>
           <p:cNvSpPr txBox="1"/>
           <p:nvPr/>
         </p:nvSpPr>
         <p:spPr>
           <a:xfrm>
-            <a:off x="1752600" y="29489400"/>
-            <a:ext cx="11430000" cy="3416320"/>
+            <a:off x="2362200" y="23622000"/>
+            <a:ext cx="4572000" cy="769441"/>
           </a:xfrm>
           <a:prstGeom prst="rect">
             <a:avLst/>
@@ -2873,61 +4327,44 @@
           </a:bodyPr>
           <a:lstStyle/>
           <a:p>
-            <a:r>
-              <a:rPr lang="en-US" sz="3600" b="0" dirty="0" smtClean="0"/>
-              <a:t>Using </a:t>
-            </a:r>
-            <a:r>
-              <a:rPr lang="en-US" sz="3600" b="0" dirty="0" err="1" smtClean="0"/>
-              <a:t>Accessors</a:t>
-            </a:r>
-            <a:r>
-              <a:rPr lang="en-US" sz="3600" b="0" dirty="0" smtClean="0"/>
-              <a:t> and a </a:t>
-            </a:r>
-            <a:r>
-              <a:rPr lang="en-US" sz="3600" b="0" dirty="0" err="1" smtClean="0"/>
-              <a:t>Swarmlet</a:t>
-            </a:r>
-            <a:r>
-              <a:rPr lang="en-US" sz="3600" b="0" dirty="0" smtClean="0"/>
-              <a:t> provides a GUI based editor for easily reconfiguring how the application runs. Adding status indications or alternate localization services is simply a matter of dropping in new </a:t>
-            </a:r>
-            <a:r>
-              <a:rPr lang="en-US" sz="3600" b="0" dirty="0" err="1" smtClean="0"/>
-              <a:t>Accessors</a:t>
-            </a:r>
-            <a:r>
-              <a:rPr lang="en-US" sz="3600" b="0" dirty="0" smtClean="0"/>
-              <a:t>, connecting the ports, and re-running the </a:t>
-            </a:r>
-            <a:r>
-              <a:rPr lang="en-US" sz="3600" b="0" dirty="0" err="1" smtClean="0"/>
-              <a:t>Swarmlet</a:t>
-            </a:r>
-            <a:r>
-              <a:rPr lang="en-US" sz="3600" b="0" dirty="0" smtClean="0"/>
-              <a:t>.</a:t>
-            </a:r>
-            <a:endParaRPr lang="en-US" sz="3600" b="0" dirty="0"/>
-          </a:p>
-        </p:txBody>
-      </p:sp>
-      <p:sp>
-        <p:nvSpPr>
-          <p:cNvPr id="23" name="TextBox 22"/>
+            <a:pPr algn="ctr"/>
+            <a:r>
+              <a:rPr lang="en-US" sz="4400" b="0" dirty="0" smtClean="0">
+                <a:solidFill>
+                  <a:srgbClr val="800080"/>
+                </a:solidFill>
+                <a:latin typeface="Arial Narrow"/>
+                <a:cs typeface="Arial Narrow"/>
+              </a:rPr>
+              <a:t>ALPS Localization</a:t>
+            </a:r>
+            <a:endParaRPr lang="en-US" sz="4400" b="0" dirty="0">
+              <a:solidFill>
+                <a:srgbClr val="800080"/>
+              </a:solidFill>
+              <a:latin typeface="Arial Narrow"/>
+              <a:cs typeface="Arial Narrow"/>
+            </a:endParaRPr>
+          </a:p>
+        </p:txBody>
+      </p:sp>
+      <p:sp>
+        <p:nvSpPr>
+          <p:cNvPr id="75" name="TextBox 74"/>
           <p:cNvSpPr txBox="1"/>
           <p:nvPr/>
         </p:nvSpPr>
         <p:spPr>
           <a:xfrm>
-            <a:off x="12877800" y="22936200"/>
-            <a:ext cx="5791200" cy="762000"/>
-          </a:xfrm>
-          <a:prstGeom prst="rect">
-            <a:avLst/>
-          </a:prstGeom>
-          <a:noFill/>
+            <a:off x="19964400" y="23622000"/>
+            <a:ext cx="5638800" cy="769441"/>
+          </a:xfrm>
+          <a:prstGeom prst="rect">
+            <a:avLst/>
+          </a:prstGeom>
+          <a:solidFill>
+            <a:schemeClr val="bg1"/>
+          </a:solidFill>
         </p:spPr>
         <p:txBody>
           <a:bodyPr wrap="square" rtlCol="0">
@@ -2937,16 +4374,265 @@
           <a:p>
             <a:pPr algn="ctr"/>
             <a:r>
+              <a:rPr lang="en-US" sz="4400" b="0" dirty="0" smtClean="0">
+                <a:solidFill>
+                  <a:srgbClr val="800040"/>
+                </a:solidFill>
+                <a:latin typeface="Arial Narrow"/>
+                <a:cs typeface="Arial Narrow"/>
+              </a:rPr>
+              <a:t>Scarab &amp; </a:t>
+            </a:r>
+            <a:r>
+              <a:rPr lang="en-US" sz="4400" b="0" dirty="0" smtClean="0">
+                <a:solidFill>
+                  <a:srgbClr val="804000"/>
+                </a:solidFill>
+                <a:latin typeface="Arial Narrow"/>
+                <a:cs typeface="Arial Narrow"/>
+              </a:rPr>
+              <a:t>Navigation</a:t>
+            </a:r>
+            <a:endParaRPr lang="en-US" sz="4400" b="0" dirty="0">
+              <a:solidFill>
+                <a:srgbClr val="804000"/>
+              </a:solidFill>
+              <a:latin typeface="Arial Narrow"/>
+              <a:cs typeface="Arial Narrow"/>
+            </a:endParaRPr>
+          </a:p>
+        </p:txBody>
+      </p:sp>
+      <p:sp>
+        <p:nvSpPr>
+          <p:cNvPr id="76" name="TextBox 75"/>
+          <p:cNvSpPr txBox="1"/>
+          <p:nvPr/>
+        </p:nvSpPr>
+        <p:spPr>
+          <a:xfrm>
+            <a:off x="10896600" y="23614559"/>
+            <a:ext cx="5638800" cy="769441"/>
+          </a:xfrm>
+          <a:prstGeom prst="rect">
+            <a:avLst/>
+          </a:prstGeom>
+          <a:solidFill>
+            <a:schemeClr val="bg1"/>
+          </a:solidFill>
+        </p:spPr>
+        <p:txBody>
+          <a:bodyPr wrap="square" rtlCol="0">
+            <a:spAutoFit/>
+          </a:bodyPr>
+          <a:lstStyle/>
+          <a:p>
+            <a:pPr algn="ctr"/>
+            <a:r>
               <a:rPr lang="en-US" sz="4400" b="0" dirty="0" err="1" smtClean="0">
+                <a:solidFill>
+                  <a:srgbClr val="408000"/>
+                </a:solidFill>
                 <a:latin typeface="Arial Narrow"/>
                 <a:cs typeface="Arial Narrow"/>
               </a:rPr>
               <a:t>Accessors</a:t>
             </a:r>
+            <a:r>
+              <a:rPr lang="en-US" sz="4400" b="0" dirty="0" smtClean="0">
+                <a:solidFill>
+                  <a:srgbClr val="408000"/>
+                </a:solidFill>
+                <a:latin typeface="Arial Narrow"/>
+                <a:cs typeface="Arial Narrow"/>
+              </a:rPr>
+              <a:t>/Ptolemy II</a:t>
+            </a:r>
             <a:endParaRPr lang="en-US" sz="4400" b="0" dirty="0">
+              <a:solidFill>
+                <a:srgbClr val="408000"/>
+              </a:solidFill>
               <a:latin typeface="Arial Narrow"/>
               <a:cs typeface="Arial Narrow"/>
             </a:endParaRPr>
+          </a:p>
+        </p:txBody>
+      </p:sp>
+      <p:pic>
+        <p:nvPicPr>
+          <p:cNvPr id="77" name="Picture 76" descr="alps_transmitter_859x1000.jpg"/>
+          <p:cNvPicPr>
+            <a:picLocks noChangeAspect="1"/>
+          </p:cNvPicPr>
+          <p:nvPr/>
+        </p:nvPicPr>
+        <p:blipFill>
+          <a:blip r:embed="rId3">
+            <a:extLst>
+              <a:ext uri="{28A0092B-C50C-407E-A947-70E740481C1C}">
+                <a14:useLocalDpi xmlns:a14="http://schemas.microsoft.com/office/drawing/2010/main" val="0"/>
+              </a:ext>
+            </a:extLst>
+          </a:blip>
+          <a:stretch>
+            <a:fillRect/>
+          </a:stretch>
+        </p:blipFill>
+        <p:spPr>
+          <a:xfrm>
+            <a:off x="3886200" y="21640800"/>
+            <a:ext cx="1524000" cy="1774156"/>
+          </a:xfrm>
+          <a:prstGeom prst="rect">
+            <a:avLst/>
+          </a:prstGeom>
+        </p:spPr>
+      </p:pic>
+      <p:sp>
+        <p:nvSpPr>
+          <p:cNvPr id="78" name="TextBox 77"/>
+          <p:cNvSpPr txBox="1"/>
+          <p:nvPr/>
+        </p:nvSpPr>
+        <p:spPr>
+          <a:xfrm>
+            <a:off x="990600" y="24460200"/>
+            <a:ext cx="7848600" cy="3046988"/>
+          </a:xfrm>
+          <a:prstGeom prst="rect">
+            <a:avLst/>
+          </a:prstGeom>
+          <a:noFill/>
+        </p:spPr>
+        <p:txBody>
+          <a:bodyPr wrap="square" rtlCol="0">
+            <a:spAutoFit/>
+          </a:bodyPr>
+          <a:lstStyle/>
+          <a:p>
+            <a:r>
+              <a:rPr lang="en-US" sz="3200" b="0" dirty="0" smtClean="0"/>
+              <a:t>ALPS is an ultrasonic localization system that localizes unmodified smartphones to with 30 cm error. ALPS anchors can self-localize by walking a smartphone around a new space, lessening the burden of installing the system.</a:t>
+            </a:r>
+            <a:endParaRPr lang="en-US" sz="3200" b="0" dirty="0"/>
+          </a:p>
+        </p:txBody>
+      </p:sp>
+      <p:pic>
+        <p:nvPicPr>
+          <p:cNvPr id="79" name="Picture 78"/>
+          <p:cNvPicPr>
+            <a:picLocks noChangeAspect="1"/>
+          </p:cNvPicPr>
+          <p:nvPr/>
+        </p:nvPicPr>
+        <p:blipFill>
+          <a:blip r:embed="rId10"/>
+          <a:stretch>
+            <a:fillRect/>
+          </a:stretch>
+        </p:blipFill>
+        <p:spPr>
+          <a:xfrm>
+            <a:off x="12877800" y="21488400"/>
+            <a:ext cx="1600200" cy="1939636"/>
+          </a:xfrm>
+          <a:prstGeom prst="rect">
+            <a:avLst/>
+          </a:prstGeom>
+        </p:spPr>
+      </p:pic>
+      <p:pic>
+        <p:nvPicPr>
+          <p:cNvPr id="80" name="Picture 79" descr="scarab_837x1000.jpg"/>
+          <p:cNvPicPr>
+            <a:picLocks noChangeAspect="1"/>
+          </p:cNvPicPr>
+          <p:nvPr/>
+        </p:nvPicPr>
+        <p:blipFill>
+          <a:blip r:embed="rId5">
+            <a:extLst>
+              <a:ext uri="{28A0092B-C50C-407E-A947-70E740481C1C}">
+                <a14:useLocalDpi xmlns:a14="http://schemas.microsoft.com/office/drawing/2010/main" val="0"/>
+              </a:ext>
+            </a:extLst>
+          </a:blip>
+          <a:stretch>
+            <a:fillRect/>
+          </a:stretch>
+        </p:blipFill>
+        <p:spPr>
+          <a:xfrm>
+            <a:off x="21869400" y="21564600"/>
+            <a:ext cx="1435100" cy="1714576"/>
+          </a:xfrm>
+          <a:prstGeom prst="rect">
+            <a:avLst/>
+          </a:prstGeom>
+        </p:spPr>
+      </p:pic>
+      <p:sp>
+        <p:nvSpPr>
+          <p:cNvPr id="81" name="TextBox 80"/>
+          <p:cNvSpPr txBox="1"/>
+          <p:nvPr/>
+        </p:nvSpPr>
+        <p:spPr>
+          <a:xfrm>
+            <a:off x="10134600" y="24460200"/>
+            <a:ext cx="7848600" cy="3046988"/>
+          </a:xfrm>
+          <a:prstGeom prst="rect">
+            <a:avLst/>
+          </a:prstGeom>
+          <a:noFill/>
+        </p:spPr>
+        <p:txBody>
+          <a:bodyPr wrap="square" rtlCol="0">
+            <a:spAutoFit/>
+          </a:bodyPr>
+          <a:lstStyle/>
+          <a:p>
+            <a:r>
+              <a:rPr lang="en-US" sz="3200" b="0" dirty="0" err="1" smtClean="0"/>
+              <a:t>Accessors</a:t>
+            </a:r>
+            <a:r>
+              <a:rPr lang="en-US" sz="3200" b="0" dirty="0" smtClean="0"/>
+              <a:t> provide a sandboxed JavaScript environment for interacting with physical devices, including robots, smart devices, and other networked devices. They execute inside of the Ptolemy II modeling and simulation tool.</a:t>
+            </a:r>
+            <a:endParaRPr lang="en-US" sz="3200" b="0" dirty="0"/>
+          </a:p>
+        </p:txBody>
+      </p:sp>
+      <p:sp>
+        <p:nvSpPr>
+          <p:cNvPr id="82" name="TextBox 81"/>
+          <p:cNvSpPr txBox="1"/>
+          <p:nvPr/>
+        </p:nvSpPr>
+        <p:spPr>
+          <a:xfrm>
+            <a:off x="18821400" y="24460200"/>
+            <a:ext cx="7848600" cy="3046988"/>
+          </a:xfrm>
+          <a:prstGeom prst="rect">
+            <a:avLst/>
+          </a:prstGeom>
+          <a:noFill/>
+        </p:spPr>
+        <p:txBody>
+          <a:bodyPr wrap="square" rtlCol="0">
+            <a:spAutoFit/>
+          </a:bodyPr>
+          <a:lstStyle/>
+          <a:p>
+            <a:r>
+              <a:rPr lang="en-US" sz="3200" b="0" dirty="0" smtClean="0"/>
+              <a:t>Scarab robots are relatively low-cost ground robots that run the open-source ROS operating system for robots. They use “human-friendly” navigation to follow a path while avoiding people in the same space.</a:t>
+            </a:r>
+            <a:endParaRPr lang="en-US" sz="3200" b="0" dirty="0"/>
           </a:p>
         </p:txBody>
       </p:sp>
